--- a/Комплекс ботов для двусторонней Discord-Telegram связи..pptx
+++ b/Комплекс ботов для двусторонней Discord-Telegram связи..pptx
@@ -199,7 +199,7 @@
           <a:p>
             <a:fld id="{45AB454F-8EC1-4D8C-B9A5-5DBA8422DD88}" type="datetimeFigureOut">
               <a:rPr lang="ru-RU" smtClean="0"/>
-              <a:t>22.04.2023</a:t>
+              <a:t>24.04.2023</a:t>
             </a:fld>
             <a:endParaRPr lang="ru-RU"/>
           </a:p>
@@ -940,7 +940,7 @@
           <a:p>
             <a:fld id="{7D5B3711-EE53-4280-B4D5-D1EE5D7713E1}" type="datetimeFigureOut">
               <a:rPr lang="ru-RU" smtClean="0"/>
-              <a:t>22.04.2023</a:t>
+              <a:t>24.04.2023</a:t>
             </a:fld>
             <a:endParaRPr lang="ru-RU"/>
           </a:p>
@@ -1123,7 +1123,7 @@
           <a:p>
             <a:fld id="{7D5B3711-EE53-4280-B4D5-D1EE5D7713E1}" type="datetimeFigureOut">
               <a:rPr lang="ru-RU" smtClean="0"/>
-              <a:t>22.04.2023</a:t>
+              <a:t>24.04.2023</a:t>
             </a:fld>
             <a:endParaRPr lang="ru-RU"/>
           </a:p>
@@ -1298,7 +1298,7 @@
           <a:p>
             <a:fld id="{7D5B3711-EE53-4280-B4D5-D1EE5D7713E1}" type="datetimeFigureOut">
               <a:rPr lang="ru-RU" smtClean="0"/>
-              <a:t>22.04.2023</a:t>
+              <a:t>24.04.2023</a:t>
             </a:fld>
             <a:endParaRPr lang="ru-RU"/>
           </a:p>
@@ -1463,7 +1463,7 @@
           <a:p>
             <a:fld id="{7D5B3711-EE53-4280-B4D5-D1EE5D7713E1}" type="datetimeFigureOut">
               <a:rPr lang="ru-RU" smtClean="0"/>
-              <a:t>22.04.2023</a:t>
+              <a:t>24.04.2023</a:t>
             </a:fld>
             <a:endParaRPr lang="ru-RU"/>
           </a:p>
@@ -1684,7 +1684,7 @@
           <a:p>
             <a:fld id="{7D5B3711-EE53-4280-B4D5-D1EE5D7713E1}" type="datetimeFigureOut">
               <a:rPr lang="ru-RU" smtClean="0"/>
-              <a:t>22.04.2023</a:t>
+              <a:t>24.04.2023</a:t>
             </a:fld>
             <a:endParaRPr lang="ru-RU"/>
           </a:p>
@@ -1943,7 +1943,7 @@
           <a:p>
             <a:fld id="{7D5B3711-EE53-4280-B4D5-D1EE5D7713E1}" type="datetimeFigureOut">
               <a:rPr lang="ru-RU" smtClean="0"/>
-              <a:t>22.04.2023</a:t>
+              <a:t>24.04.2023</a:t>
             </a:fld>
             <a:endParaRPr lang="ru-RU"/>
           </a:p>
@@ -2347,7 +2347,7 @@
           <a:p>
             <a:fld id="{7D5B3711-EE53-4280-B4D5-D1EE5D7713E1}" type="datetimeFigureOut">
               <a:rPr lang="ru-RU" smtClean="0"/>
-              <a:t>22.04.2023</a:t>
+              <a:t>24.04.2023</a:t>
             </a:fld>
             <a:endParaRPr lang="ru-RU"/>
           </a:p>
@@ -2478,7 +2478,7 @@
           <a:p>
             <a:fld id="{7D5B3711-EE53-4280-B4D5-D1EE5D7713E1}" type="datetimeFigureOut">
               <a:rPr lang="ru-RU" smtClean="0"/>
-              <a:t>22.04.2023</a:t>
+              <a:t>24.04.2023</a:t>
             </a:fld>
             <a:endParaRPr lang="ru-RU"/>
           </a:p>
@@ -2578,7 +2578,7 @@
           <a:p>
             <a:fld id="{7D5B3711-EE53-4280-B4D5-D1EE5D7713E1}" type="datetimeFigureOut">
               <a:rPr lang="ru-RU" smtClean="0"/>
-              <a:t>22.04.2023</a:t>
+              <a:t>24.04.2023</a:t>
             </a:fld>
             <a:endParaRPr lang="ru-RU"/>
           </a:p>
@@ -2823,7 +2823,7 @@
           <a:p>
             <a:fld id="{7D5B3711-EE53-4280-B4D5-D1EE5D7713E1}" type="datetimeFigureOut">
               <a:rPr lang="ru-RU" smtClean="0"/>
-              <a:t>22.04.2023</a:t>
+              <a:t>24.04.2023</a:t>
             </a:fld>
             <a:endParaRPr lang="ru-RU"/>
           </a:p>
@@ -3067,7 +3067,7 @@
           <a:p>
             <a:fld id="{7D5B3711-EE53-4280-B4D5-D1EE5D7713E1}" type="datetimeFigureOut">
               <a:rPr lang="ru-RU" smtClean="0"/>
-              <a:t>22.04.2023</a:t>
+              <a:t>24.04.2023</a:t>
             </a:fld>
             <a:endParaRPr lang="ru-RU"/>
           </a:p>
@@ -3891,7 +3891,7 @@
           <a:p>
             <a:fld id="{7D5B3711-EE53-4280-B4D5-D1EE5D7713E1}" type="datetimeFigureOut">
               <a:rPr lang="ru-RU" smtClean="0"/>
-              <a:t>22.04.2023</a:t>
+              <a:t>24.04.2023</a:t>
             </a:fld>
             <a:endParaRPr lang="ru-RU"/>
           </a:p>
@@ -4600,8 +4600,8 @@
         </p:nvSpPr>
         <p:spPr>
           <a:xfrm>
-            <a:off x="6228184" y="5657671"/>
-            <a:ext cx="2880320" cy="1200329"/>
+            <a:off x="6263680" y="5026729"/>
+            <a:ext cx="2880320" cy="1831271"/>
           </a:xfrm>
           <a:prstGeom prst="rect">
             <a:avLst/>
@@ -4613,120 +4613,170 @@
           </a:bodyPr>
           <a:lstStyle/>
           <a:p>
-            <a:pPr algn="ctr"/>
-            <a:r>
-              <a:rPr lang="ru-RU" b="1" dirty="0" smtClean="0">
+            <a:pPr algn="r">
+              <a:lnSpc>
+                <a:spcPct val="100000"/>
+              </a:lnSpc>
+              <a:spcBef>
+                <a:spcPts val="320"/>
+              </a:spcBef>
+            </a:pPr>
+            <a:r>
+              <a:rPr lang="ru-RU" sz="1400" spc="-1" dirty="0">
                 <a:solidFill>
                   <a:schemeClr val="accent1">
                     <a:lumMod val="50000"/>
                   </a:schemeClr>
                 </a:solidFill>
-                <a:latin typeface="Bahnschrift Light" panose="020B0502040204020203" pitchFamily="34" charset="0"/>
-                <a:cs typeface="Arial" panose="020B0604020202020204" pitchFamily="34" charset="0"/>
-              </a:rPr>
-              <a:t>Урманов Даниил,</a:t>
-            </a:r>
-          </a:p>
-          <a:p>
-            <a:pPr algn="ctr"/>
-            <a:r>
-              <a:rPr lang="ru-RU" b="1" dirty="0" smtClean="0">
+                <a:latin typeface="Bahnschrift" panose="020B0502040204020203" pitchFamily="34" charset="0"/>
+              </a:rPr>
+              <a:t>Проект выполнили</a:t>
+            </a:r>
+          </a:p>
+          <a:p>
+            <a:pPr algn="r">
+              <a:lnSpc>
+                <a:spcPct val="100000"/>
+              </a:lnSpc>
+              <a:spcBef>
+                <a:spcPts val="320"/>
+              </a:spcBef>
+            </a:pPr>
+            <a:r>
+              <a:rPr lang="ru-RU" sz="1400" spc="-1" dirty="0">
                 <a:solidFill>
                   <a:schemeClr val="accent1">
                     <a:lumMod val="50000"/>
                   </a:schemeClr>
                 </a:solidFill>
-                <a:latin typeface="Bahnschrift Light" panose="020B0502040204020203" pitchFamily="34" charset="0"/>
-                <a:cs typeface="Arial" panose="020B0604020202020204" pitchFamily="34" charset="0"/>
-              </a:rPr>
-              <a:t>ЦЦОД </a:t>
-            </a:r>
-            <a:r>
-              <a:rPr lang="en-US" b="1" dirty="0" smtClean="0">
+                <a:latin typeface="Bahnschrift" panose="020B0502040204020203" pitchFamily="34" charset="0"/>
+              </a:rPr>
+              <a:t>Ученики 2 курса </a:t>
+            </a:r>
+          </a:p>
+          <a:p>
+            <a:pPr algn="r">
+              <a:lnSpc>
+                <a:spcPct val="100000"/>
+              </a:lnSpc>
+              <a:spcBef>
+                <a:spcPts val="320"/>
+              </a:spcBef>
+            </a:pPr>
+            <a:r>
+              <a:rPr lang="ru-RU" sz="1400" spc="-1" dirty="0">
                 <a:solidFill>
                   <a:schemeClr val="accent1">
                     <a:lumMod val="50000"/>
                   </a:schemeClr>
                 </a:solidFill>
-                <a:latin typeface="Bahnschrift Light" panose="020B0502040204020203" pitchFamily="34" charset="0"/>
-                <a:cs typeface="Arial" panose="020B0604020202020204" pitchFamily="34" charset="0"/>
-              </a:rPr>
-              <a:t>“IT Cube”,</a:t>
-            </a:r>
-          </a:p>
-          <a:p>
-            <a:pPr algn="ctr"/>
-            <a:r>
-              <a:rPr lang="ru-RU" b="1" dirty="0">
+                <a:latin typeface="Bahnschrift" panose="020B0502040204020203" pitchFamily="34" charset="0"/>
+              </a:rPr>
+              <a:t>Лицея академии Яндекса:</a:t>
+            </a:r>
+          </a:p>
+          <a:p>
+            <a:pPr algn="r">
+              <a:lnSpc>
+                <a:spcPct val="100000"/>
+              </a:lnSpc>
+              <a:spcBef>
+                <a:spcPts val="320"/>
+              </a:spcBef>
+            </a:pPr>
+            <a:r>
+              <a:rPr lang="ru-RU" sz="1400" spc="-1" dirty="0">
                 <a:solidFill>
                   <a:schemeClr val="accent1">
                     <a:lumMod val="50000"/>
                   </a:schemeClr>
                 </a:solidFill>
-                <a:latin typeface="Bahnschrift Light" panose="020B0502040204020203" pitchFamily="34" charset="0"/>
-                <a:cs typeface="Arial" panose="020B0604020202020204" pitchFamily="34" charset="0"/>
-              </a:rPr>
-              <a:t>г</a:t>
-            </a:r>
-            <a:r>
-              <a:rPr lang="ru-RU" b="1" dirty="0" smtClean="0">
+                <a:latin typeface="Bahnschrift" panose="020B0502040204020203" pitchFamily="34" charset="0"/>
+              </a:rPr>
+              <a:t>Урманов Даниил и</a:t>
+            </a:r>
+          </a:p>
+          <a:p>
+            <a:pPr algn="r">
+              <a:lnSpc>
+                <a:spcPct val="100000"/>
+              </a:lnSpc>
+              <a:spcBef>
+                <a:spcPts val="320"/>
+              </a:spcBef>
+            </a:pPr>
+            <a:r>
+              <a:rPr lang="ru-RU" sz="1400" spc="-1" dirty="0">
                 <a:solidFill>
                   <a:schemeClr val="accent1">
                     <a:lumMod val="50000"/>
                   </a:schemeClr>
                 </a:solidFill>
-                <a:latin typeface="Bahnschrift Light" panose="020B0502040204020203" pitchFamily="34" charset="0"/>
-                <a:cs typeface="Arial" panose="020B0604020202020204" pitchFamily="34" charset="0"/>
-              </a:rPr>
-              <a:t>. </a:t>
-            </a:r>
-            <a:r>
-              <a:rPr lang="ru-RU" b="1" dirty="0" smtClean="0">
+                <a:latin typeface="Bahnschrift" panose="020B0502040204020203" pitchFamily="34" charset="0"/>
+              </a:rPr>
+              <a:t>Волобуев Михаил.</a:t>
+            </a:r>
+          </a:p>
+          <a:p>
+            <a:pPr algn="r">
+              <a:lnSpc>
+                <a:spcPct val="100000"/>
+              </a:lnSpc>
+              <a:spcBef>
+                <a:spcPts val="320"/>
+              </a:spcBef>
+            </a:pPr>
+            <a:r>
+              <a:rPr lang="ru-RU" sz="1400" spc="-1" dirty="0">
                 <a:solidFill>
                   <a:schemeClr val="accent1">
                     <a:lumMod val="50000"/>
                   </a:schemeClr>
                 </a:solidFill>
-                <a:latin typeface="Bahnschrift Light" panose="020B0502040204020203" pitchFamily="34" charset="0"/>
-                <a:cs typeface="Arial" panose="020B0604020202020204" pitchFamily="34" charset="0"/>
-              </a:rPr>
-              <a:t>Курск, 10 класс</a:t>
-            </a:r>
-            <a:endParaRPr lang="ru-RU" b="1" dirty="0">
+                <a:latin typeface="Bahnschrift" panose="020B0502040204020203" pitchFamily="34" charset="0"/>
+              </a:rPr>
+              <a:t>Руководитель проекта:</a:t>
+            </a:r>
+          </a:p>
+          <a:p>
+            <a:pPr algn="r">
+              <a:lnSpc>
+                <a:spcPct val="100000"/>
+              </a:lnSpc>
+              <a:spcBef>
+                <a:spcPts val="320"/>
+              </a:spcBef>
+            </a:pPr>
+            <a:r>
+              <a:rPr lang="ru-RU" sz="1400" spc="-1" dirty="0">
+                <a:solidFill>
+                  <a:schemeClr val="accent1">
+                    <a:lumMod val="50000"/>
+                  </a:schemeClr>
+                </a:solidFill>
+                <a:latin typeface="Bahnschrift" panose="020B0502040204020203" pitchFamily="34" charset="0"/>
+              </a:rPr>
+              <a:t>Борисова Мария </a:t>
+            </a:r>
+            <a:r>
+              <a:rPr lang="ru-RU" sz="1400" spc="-1" dirty="0" smtClean="0">
+                <a:solidFill>
+                  <a:schemeClr val="accent1">
+                    <a:lumMod val="50000"/>
+                  </a:schemeClr>
+                </a:solidFill>
+                <a:latin typeface="Bahnschrift" panose="020B0502040204020203" pitchFamily="34" charset="0"/>
+              </a:rPr>
+              <a:t>Валерьевна</a:t>
+            </a:r>
+            <a:endParaRPr lang="ru-RU" sz="1400" spc="-1" dirty="0">
               <a:solidFill>
                 <a:schemeClr val="accent1">
                   <a:lumMod val="50000"/>
                 </a:schemeClr>
               </a:solidFill>
-              <a:latin typeface="Bahnschrift Light" panose="020B0502040204020203" pitchFamily="34" charset="0"/>
-              <a:cs typeface="Arial" panose="020B0604020202020204" pitchFamily="34" charset="0"/>
+              <a:latin typeface="Bahnschrift" panose="020B0502040204020203" pitchFamily="34" charset="0"/>
             </a:endParaRPr>
-          </a:p>
-          <a:p>
-            <a:r>
-              <a:rPr lang="ru-RU" b="1" cap="all" dirty="0">
-                <a:ln w="9000" cmpd="sng">
-                  <a:solidFill>
-                    <a:schemeClr val="accent4">
-                      <a:shade val="50000"/>
-                      <a:satMod val="120000"/>
-                    </a:schemeClr>
-                  </a:solidFill>
-                  <a:prstDash val="solid"/>
-                </a:ln>
-                <a:solidFill>
-                  <a:schemeClr val="accent1">
-                    <a:lumMod val="50000"/>
-                  </a:schemeClr>
-                </a:solidFill>
-                <a:effectLst>
-                  <a:reflection blurRad="12700" stA="28000" endPos="45000" dist="1000" dir="5400000" sy="-100000" algn="bl" rotWithShape="0"/>
-                </a:effectLst>
-                <a:latin typeface="Bahnschrift Light" panose="020B0502040204020203" pitchFamily="34" charset="0"/>
-                <a:cs typeface="Arial" panose="020B0604020202020204" pitchFamily="34" charset="0"/>
-              </a:rPr>
-              <a:t> </a:t>
-            </a:r>
           </a:p>
         </p:txBody>
       </p:sp>
@@ -5069,14 +5119,7 @@
                 <a:latin typeface="Bahnschrift" panose="020B0502040204020203" pitchFamily="34" charset="0"/>
                 <a:cs typeface="Arial" panose="020B0604020202020204" pitchFamily="34" charset="0"/>
               </a:rPr>
-              <a:t>Отсутствие простых в использовании и доступных аналогов</a:t>
-            </a:r>
-            <a:r>
-              <a:rPr lang="ru-RU" sz="2000" dirty="0" smtClean="0">
-                <a:latin typeface="Bahnschrift" panose="020B0502040204020203" pitchFamily="34" charset="0"/>
-                <a:cs typeface="Arial" panose="020B0604020202020204" pitchFamily="34" charset="0"/>
-              </a:rPr>
-              <a:t>.</a:t>
+              <a:t>Отсутствие простых в использовании и доступных аналогов.</a:t>
             </a:r>
           </a:p>
           <a:p>
@@ -5715,10 +5758,6 @@
               </a:rPr>
               <a:t>SQLAlchemy</a:t>
             </a:r>
-            <a:endParaRPr lang="en-US" sz="2000" b="1" dirty="0" smtClean="0">
-              <a:latin typeface="Bahnschrift" panose="020B0502040204020203" pitchFamily="34" charset="0"/>
-              <a:cs typeface="Arial" panose="020B0604020202020204" pitchFamily="34" charset="0"/>
-            </a:endParaRPr>
           </a:p>
           <a:p>
             <a:pPr lvl="0" algn="ctr"/>
@@ -7704,20 +7743,7 @@
                 <a:latin typeface="Bahnschrift" panose="020B0502040204020203" pitchFamily="34" charset="0"/>
                 <a:cs typeface="Arial" panose="020B0604020202020204" pitchFamily="34" charset="0"/>
               </a:rPr>
-              <a:t>Доступные на текущи</a:t>
-            </a:r>
-            <a:r>
-              <a:rPr lang="ru-RU" dirty="0" smtClean="0">
-                <a:solidFill>
-                  <a:schemeClr val="tx1">
-                    <a:lumMod val="65000"/>
-                    <a:lumOff val="35000"/>
-                  </a:schemeClr>
-                </a:solidFill>
-                <a:latin typeface="Bahnschrift" panose="020B0502040204020203" pitchFamily="34" charset="0"/>
-                <a:cs typeface="Arial" panose="020B0604020202020204" pitchFamily="34" charset="0"/>
-              </a:rPr>
-              <a:t>й момент команды </a:t>
+              <a:t>Доступные на текущий момент команды </a:t>
             </a:r>
             <a:r>
               <a:rPr lang="en-US" dirty="0" smtClean="0">
@@ -7791,20 +7817,7 @@
                 <a:latin typeface="Bahnschrift" panose="020B0502040204020203" pitchFamily="34" charset="0"/>
                 <a:cs typeface="Arial" panose="020B0604020202020204" pitchFamily="34" charset="0"/>
               </a:rPr>
-              <a:t>Доступные на текущи</a:t>
-            </a:r>
-            <a:r>
-              <a:rPr lang="ru-RU" dirty="0" smtClean="0">
-                <a:solidFill>
-                  <a:schemeClr val="tx1">
-                    <a:lumMod val="65000"/>
-                    <a:lumOff val="35000"/>
-                  </a:schemeClr>
-                </a:solidFill>
-                <a:latin typeface="Bahnschrift" panose="020B0502040204020203" pitchFamily="34" charset="0"/>
-                <a:cs typeface="Arial" panose="020B0604020202020204" pitchFamily="34" charset="0"/>
-              </a:rPr>
-              <a:t>й момент команды </a:t>
+              <a:t>Доступные на текущий момент команды </a:t>
             </a:r>
             <a:r>
               <a:rPr lang="en-US" dirty="0" smtClean="0">
@@ -8023,21 +8036,7 @@
                 <a:latin typeface="Bahnschrift" panose="020B0502040204020203" pitchFamily="34" charset="0"/>
                 <a:cs typeface="Arial" panose="020B0604020202020204" pitchFamily="34" charset="0"/>
               </a:rPr>
-              <a:t>Чтобы воспользоваться </a:t>
-            </a:r>
-            <a:r>
-              <a:rPr lang="ru-RU" dirty="0" smtClean="0">
-                <a:latin typeface="Bahnschrift" panose="020B0502040204020203" pitchFamily="34" charset="0"/>
-                <a:cs typeface="Arial" panose="020B0604020202020204" pitchFamily="34" charset="0"/>
-              </a:rPr>
-              <a:t> функционалом </a:t>
-            </a:r>
-            <a:r>
-              <a:rPr lang="ru-RU" dirty="0" smtClean="0">
-                <a:latin typeface="Bahnschrift" panose="020B0502040204020203" pitchFamily="34" charset="0"/>
-                <a:cs typeface="Arial" panose="020B0604020202020204" pitchFamily="34" charset="0"/>
-              </a:rPr>
-              <a:t>«</a:t>
+              <a:t>Чтобы воспользоваться  функционалом «</a:t>
             </a:r>
             <a:r>
               <a:rPr lang="en-US" dirty="0" smtClean="0">
@@ -8138,14 +8137,7 @@
                 <a:latin typeface="Bahnschrift" panose="020B0502040204020203" pitchFamily="34" charset="0"/>
                 <a:cs typeface="Arial" panose="020B0604020202020204" pitchFamily="34" charset="0"/>
               </a:rPr>
-              <a:t>, необходимо пригласить </a:t>
-            </a:r>
-            <a:r>
-              <a:rPr lang="ru-RU" dirty="0" smtClean="0">
-                <a:latin typeface="Bahnschrift" panose="020B0502040204020203" pitchFamily="34" charset="0"/>
-                <a:cs typeface="Arial" panose="020B0604020202020204" pitchFamily="34" charset="0"/>
-              </a:rPr>
-              <a:t>в целевую </a:t>
+              <a:t>, необходимо пригласить в целевую </a:t>
             </a:r>
             <a:r>
               <a:rPr lang="en-US" dirty="0" smtClean="0">
@@ -8194,14 +8186,7 @@
                 <a:latin typeface="Bahnschrift" panose="020B0502040204020203" pitchFamily="34" charset="0"/>
                 <a:cs typeface="Arial" panose="020B0604020202020204" pitchFamily="34" charset="0"/>
               </a:rPr>
-              <a:t>Ознакомиться </a:t>
-            </a:r>
-            <a:r>
-              <a:rPr lang="ru-RU" dirty="0" smtClean="0">
-                <a:latin typeface="Bahnschrift" panose="020B0502040204020203" pitchFamily="34" charset="0"/>
-                <a:cs typeface="Arial" panose="020B0604020202020204" pitchFamily="34" charset="0"/>
-              </a:rPr>
-              <a:t>с репозиторием проекта можно по ссылке: </a:t>
+              <a:t>Ознакомиться с репозиторием проекта можно по ссылке: </a:t>
             </a:r>
             <a:endParaRPr lang="ru-RU" dirty="0">
               <a:latin typeface="Bahnschrift" panose="020B0502040204020203" pitchFamily="34" charset="0"/>
@@ -8309,63 +8294,35 @@
                 <a:latin typeface="Bahnschrift" panose="020B0502040204020203" pitchFamily="34" charset="0"/>
                 <a:cs typeface="Arial" panose="020B0604020202020204" pitchFamily="34" charset="0"/>
               </a:rPr>
-              <a:t>связи </a:t>
+              <a:t>связи и создания общих каналов между </a:t>
+            </a:r>
+            <a:r>
+              <a:rPr lang="en-US" sz="2000" dirty="0" smtClean="0">
+                <a:latin typeface="Bahnschrift" panose="020B0502040204020203" pitchFamily="34" charset="0"/>
+                <a:cs typeface="Arial" panose="020B0604020202020204" pitchFamily="34" charset="0"/>
+              </a:rPr>
+              <a:t>Discord </a:t>
             </a:r>
             <a:r>
               <a:rPr lang="ru-RU" sz="2000" dirty="0" smtClean="0">
                 <a:latin typeface="Bahnschrift" panose="020B0502040204020203" pitchFamily="34" charset="0"/>
                 <a:cs typeface="Arial" panose="020B0604020202020204" pitchFamily="34" charset="0"/>
               </a:rPr>
-              <a:t>и создания общих каналов между </a:t>
+              <a:t>серверами размещён на арендованном </a:t>
             </a:r>
             <a:r>
               <a:rPr lang="en-US" sz="2000" dirty="0" smtClean="0">
                 <a:latin typeface="Bahnschrift" panose="020B0502040204020203" pitchFamily="34" charset="0"/>
                 <a:cs typeface="Arial" panose="020B0604020202020204" pitchFamily="34" charset="0"/>
               </a:rPr>
-              <a:t>Discord </a:t>
+              <a:t>VPS </a:t>
             </a:r>
             <a:r>
               <a:rPr lang="ru-RU" sz="2000" dirty="0" smtClean="0">
                 <a:latin typeface="Bahnschrift" panose="020B0502040204020203" pitchFamily="34" charset="0"/>
                 <a:cs typeface="Arial" panose="020B0604020202020204" pitchFamily="34" charset="0"/>
               </a:rPr>
-              <a:t>серверами размещён на </a:t>
-            </a:r>
-            <a:r>
-              <a:rPr lang="ru-RU" sz="2000" dirty="0" smtClean="0">
-                <a:latin typeface="Bahnschrift" panose="020B0502040204020203" pitchFamily="34" charset="0"/>
-                <a:cs typeface="Arial" panose="020B0604020202020204" pitchFamily="34" charset="0"/>
-              </a:rPr>
-              <a:t>арендованном </a:t>
-            </a:r>
-            <a:r>
-              <a:rPr lang="en-US" sz="2000" dirty="0" smtClean="0">
-                <a:latin typeface="Bahnschrift" panose="020B0502040204020203" pitchFamily="34" charset="0"/>
-                <a:cs typeface="Arial" panose="020B0604020202020204" pitchFamily="34" charset="0"/>
-              </a:rPr>
-              <a:t>VPS </a:t>
-            </a:r>
-            <a:r>
-              <a:rPr lang="ru-RU" sz="2000" dirty="0" smtClean="0">
-                <a:latin typeface="Bahnschrift" panose="020B0502040204020203" pitchFamily="34" charset="0"/>
-                <a:cs typeface="Arial" panose="020B0604020202020204" pitchFamily="34" charset="0"/>
-              </a:rPr>
-              <a:t>и </a:t>
-            </a:r>
-            <a:r>
-              <a:rPr lang="ru-RU" sz="2000" dirty="0" smtClean="0">
-                <a:latin typeface="Bahnschrift" panose="020B0502040204020203" pitchFamily="34" charset="0"/>
-                <a:cs typeface="Arial" panose="020B0604020202020204" pitchFamily="34" charset="0"/>
-              </a:rPr>
-              <a:t>стабильно </a:t>
-            </a:r>
-            <a:r>
-              <a:rPr lang="ru-RU" sz="2000" dirty="0" smtClean="0">
-                <a:latin typeface="Bahnschrift" panose="020B0502040204020203" pitchFamily="34" charset="0"/>
-                <a:cs typeface="Arial" panose="020B0604020202020204" pitchFamily="34" charset="0"/>
-              </a:rPr>
-              <a:t>работает. </a:t>
+              <a:t>и стабильно работает. </a:t>
             </a:r>
             <a:endParaRPr lang="ru-RU" sz="2000" dirty="0">
               <a:latin typeface="Bahnschrift" panose="020B0502040204020203" pitchFamily="34" charset="0"/>
